--- a/showcase/Presentation_Showcase.pptx
+++ b/showcase/Presentation_Showcase.pptx
@@ -243,7 +243,7 @@
           <a:p>
             <a:fld id="{6CA55425-1DD7-4394-A4B0-27CDAE04EE44}" type="datetimeFigureOut">
               <a:rPr lang="en-US" smtClean="0"/>
-              <a:t>12/10/2016</a:t>
+              <a:t>12/13/2016</a:t>
             </a:fld>
             <a:endParaRPr lang="en-US"/>
           </a:p>
@@ -639,7 +639,34 @@
           <a:bodyPr/>
           <a:lstStyle/>
           <a:p>
-            <a:endParaRPr lang="de-CH" sz="2400" b="1" baseline="0" dirty="0"/>
+            <a:r>
+              <a:rPr lang="de-CH" sz="2400" b="1" baseline="0" dirty="0"/>
+              <a:t>- Falls vorhanden die Einführung der Story für den Showcase</a:t>
+            </a:r>
+          </a:p>
+          <a:p>
+            <a:pPr marL="0" indent="0">
+              <a:buFontTx/>
+              <a:buNone/>
+            </a:pPr>
+            <a:r>
+              <a:rPr lang="de-CH" sz="2400" b="1" baseline="0" dirty="0"/>
+              <a:t>- Kurze Übersicht geben über die Funktionen, welche wir zeigen wollen.</a:t>
+            </a:r>
+          </a:p>
+          <a:p>
+            <a:pPr marL="0" indent="0">
+              <a:buFontTx/>
+              <a:buNone/>
+            </a:pPr>
+            <a:r>
+              <a:rPr lang="de-CH" sz="2400" b="1" baseline="0"/>
+              <a:t>- Überleitung </a:t>
+            </a:r>
+            <a:r>
+              <a:rPr lang="de-CH" sz="2400" b="1" baseline="0" dirty="0"/>
+              <a:t>zu Live-Demo</a:t>
+            </a:r>
           </a:p>
         </p:txBody>
       </p:sp>
@@ -4340,29 +4367,7 @@
                   </a:schemeClr>
                 </a:solidFill>
               </a:rPr>
-              <a:t> </a:t>
-            </a:r>
-            <a:r>
-              <a:rPr lang="de-CH" sz="1800" dirty="0" err="1">
-                <a:solidFill>
-                  <a:schemeClr val="tx1">
-                    <a:lumMod val="75000"/>
-                    <a:lumOff val="25000"/>
-                  </a:schemeClr>
-                </a:solidFill>
-              </a:rPr>
-              <a:t>Jêrome</a:t>
-            </a:r>
-            <a:r>
-              <a:rPr lang="de-CH" sz="1800" dirty="0">
-                <a:solidFill>
-                  <a:schemeClr val="tx1">
-                    <a:lumMod val="75000"/>
-                    <a:lumOff val="25000"/>
-                  </a:schemeClr>
-                </a:solidFill>
-              </a:rPr>
-              <a:t> </a:t>
+              <a:t> Jérôme </a:t>
             </a:r>
             <a:r>
               <a:rPr lang="de-CH" sz="1800" dirty="0" err="1">

--- a/showcase/Presentation_Showcase.pptx
+++ b/showcase/Presentation_Showcase.pptx
@@ -5,12 +5,13 @@
     <p:sldMasterId id="2147483714" r:id="rId1"/>
   </p:sldMasterIdLst>
   <p:notesMasterIdLst>
-    <p:notesMasterId r:id="rId5"/>
+    <p:notesMasterId r:id="rId6"/>
   </p:notesMasterIdLst>
   <p:sldIdLst>
     <p:sldId id="256" r:id="rId2"/>
     <p:sldId id="257" r:id="rId3"/>
-    <p:sldId id="271" r:id="rId4"/>
+    <p:sldId id="272" r:id="rId4"/>
+    <p:sldId id="271" r:id="rId5"/>
   </p:sldIdLst>
   <p:sldSz cx="9144000" cy="6858000" type="screen4x3"/>
   <p:notesSz cx="7099300" cy="10234613"/>
@@ -4752,6 +4753,16 @@
           <a:lstStyle/>
           <a:p>
             <a:r>
+              <a:rPr lang="de-CH" dirty="0" err="1"/>
+              <a:t>The</a:t>
+            </a:r>
+            <a:r>
+              <a:rPr lang="de-CH" dirty="0"/>
+              <a:t> Team</a:t>
+            </a:r>
+          </a:p>
+          <a:p>
+            <a:r>
               <a:rPr lang="de-CH" dirty="0"/>
               <a:t>Live-Demo</a:t>
             </a:r>
@@ -4976,6 +4987,71 @@
       </p:grpSpPr>
       <p:sp>
         <p:nvSpPr>
+          <p:cNvPr id="2" name="Titel 1"/>
+          <p:cNvSpPr>
+            <a:spLocks noGrp="1"/>
+          </p:cNvSpPr>
+          <p:nvPr>
+            <p:ph type="title"/>
+          </p:nvPr>
+        </p:nvSpPr>
+        <p:spPr/>
+        <p:txBody>
+          <a:bodyPr/>
+          <a:lstStyle/>
+          <a:p>
+            <a:r>
+              <a:rPr lang="de-CH" dirty="0" err="1"/>
+              <a:t>The</a:t>
+            </a:r>
+            <a:r>
+              <a:rPr lang="de-CH" dirty="0"/>
+              <a:t> Team</a:t>
+            </a:r>
+          </a:p>
+        </p:txBody>
+      </p:sp>
+      <p:sp>
+        <p:nvSpPr>
+          <p:cNvPr id="3" name="Inhaltsplatzhalter 2"/>
+          <p:cNvSpPr>
+            <a:spLocks noGrp="1"/>
+          </p:cNvSpPr>
+          <p:nvPr>
+            <p:ph idx="1"/>
+          </p:nvPr>
+        </p:nvSpPr>
+        <p:spPr/>
+        <p:txBody>
+          <a:bodyPr/>
+          <a:lstStyle/>
+          <a:p>
+            <a:r>
+              <a:rPr lang="de-CH" dirty="0"/>
+              <a:t>Julian Schuhmacher</a:t>
+            </a:r>
+          </a:p>
+          <a:p>
+            <a:r>
+              <a:rPr lang="de-CH" dirty="0"/>
+              <a:t>Jérôme </a:t>
+            </a:r>
+            <a:r>
+              <a:rPr lang="de-CH" dirty="0" err="1"/>
+              <a:t>Imfeld</a:t>
+            </a:r>
+            <a:endParaRPr lang="de-CH" dirty="0"/>
+          </a:p>
+          <a:p>
+            <a:r>
+              <a:rPr lang="de-CH" dirty="0"/>
+              <a:t>Joel Fimian</a:t>
+            </a:r>
+          </a:p>
+        </p:txBody>
+      </p:sp>
+      <p:sp>
+        <p:nvSpPr>
           <p:cNvPr id="4" name="Datumsplatzhalter 3"/>
           <p:cNvSpPr>
             <a:spLocks noGrp="1"/>
@@ -5049,6 +5125,116 @@
                 <a:defRPr/>
               </a:pPr>
               <a:t>3</a:t>
+            </a:fld>
+            <a:endParaRPr lang="en-US"/>
+          </a:p>
+        </p:txBody>
+      </p:sp>
+    </p:spTree>
+    <p:extLst>
+      <p:ext uri="{BB962C8B-B14F-4D97-AF65-F5344CB8AC3E}">
+        <p14:creationId xmlns:p14="http://schemas.microsoft.com/office/powerpoint/2010/main" val="2589020064"/>
+      </p:ext>
+    </p:extLst>
+  </p:cSld>
+  <p:clrMapOvr>
+    <a:masterClrMapping/>
+  </p:clrMapOvr>
+</p:sld>
+</file>
+
+<file path=ppt/slides/slide4.xml><?xml version="1.0" encoding="utf-8"?>
+<p:sld xmlns:a="http://schemas.openxmlformats.org/drawingml/2006/main" xmlns:r="http://schemas.openxmlformats.org/officeDocument/2006/relationships" xmlns:p="http://schemas.openxmlformats.org/presentationml/2006/main">
+  <p:cSld>
+    <p:spTree>
+      <p:nvGrpSpPr>
+        <p:cNvPr id="1" name=""/>
+        <p:cNvGrpSpPr/>
+        <p:nvPr/>
+      </p:nvGrpSpPr>
+      <p:grpSpPr>
+        <a:xfrm>
+          <a:off x="0" y="0"/>
+          <a:ext cx="0" cy="0"/>
+          <a:chOff x="0" y="0"/>
+          <a:chExt cx="0" cy="0"/>
+        </a:xfrm>
+      </p:grpSpPr>
+      <p:sp>
+        <p:nvSpPr>
+          <p:cNvPr id="4" name="Datumsplatzhalter 3"/>
+          <p:cNvSpPr>
+            <a:spLocks noGrp="1"/>
+          </p:cNvSpPr>
+          <p:nvPr>
+            <p:ph type="dt" sz="half" idx="10"/>
+          </p:nvPr>
+        </p:nvSpPr>
+        <p:spPr/>
+        <p:txBody>
+          <a:bodyPr/>
+          <a:lstStyle/>
+          <a:p>
+            <a:pPr>
+              <a:defRPr/>
+            </a:pPr>
+            <a:r>
+              <a:rPr lang="de-DE"/>
+              <a:t>14.12.2016</a:t>
+            </a:r>
+          </a:p>
+        </p:txBody>
+      </p:sp>
+      <p:sp>
+        <p:nvSpPr>
+          <p:cNvPr id="5" name="Fußzeilenplatzhalter 4"/>
+          <p:cNvSpPr>
+            <a:spLocks noGrp="1"/>
+          </p:cNvSpPr>
+          <p:nvPr>
+            <p:ph type="ftr" sz="quarter" idx="11"/>
+          </p:nvPr>
+        </p:nvSpPr>
+        <p:spPr/>
+        <p:txBody>
+          <a:bodyPr/>
+          <a:lstStyle/>
+          <a:p>
+            <a:pPr>
+              <a:defRPr/>
+            </a:pPr>
+            <a:r>
+              <a:rPr lang="de-CH"/>
+              <a:t>Introduction to Software Engineering</a:t>
+            </a:r>
+            <a:endParaRPr lang="de-DE" dirty="0"/>
+          </a:p>
+        </p:txBody>
+      </p:sp>
+      <p:sp>
+        <p:nvSpPr>
+          <p:cNvPr id="6" name="Foliennummernplatzhalter 5"/>
+          <p:cNvSpPr>
+            <a:spLocks noGrp="1"/>
+          </p:cNvSpPr>
+          <p:nvPr>
+            <p:ph type="sldNum" sz="quarter" idx="12"/>
+          </p:nvPr>
+        </p:nvSpPr>
+        <p:spPr/>
+        <p:txBody>
+          <a:bodyPr/>
+          <a:lstStyle/>
+          <a:p>
+            <a:pPr>
+              <a:defRPr/>
+            </a:pPr>
+            <a:fld id="{F581F49F-2D81-4D2F-AF3D-EDA209A7EA03}" type="slidenum">
+              <a:rPr lang="en-US" smtClean="0"/>
+              <a:pPr>
+                <a:defRPr/>
+              </a:pPr>
+              <a:t>4</a:t>
             </a:fld>
             <a:endParaRPr lang="en-US"/>
           </a:p>

--- a/showcase/Presentation_Showcase.pptx
+++ b/showcase/Presentation_Showcase.pptx
@@ -5,12 +5,13 @@
     <p:sldMasterId id="2147483714" r:id="rId1"/>
   </p:sldMasterIdLst>
   <p:notesMasterIdLst>
-    <p:notesMasterId r:id="rId5"/>
+    <p:notesMasterId r:id="rId6"/>
   </p:notesMasterIdLst>
   <p:sldIdLst>
     <p:sldId id="256" r:id="rId2"/>
     <p:sldId id="257" r:id="rId3"/>
-    <p:sldId id="271" r:id="rId4"/>
+    <p:sldId id="272" r:id="rId4"/>
+    <p:sldId id="271" r:id="rId5"/>
   </p:sldIdLst>
   <p:sldSz cx="9144000" cy="6858000" type="screen4x3"/>
   <p:notesSz cx="7099300" cy="10234613"/>
@@ -243,7 +244,7 @@
           <a:p>
             <a:fld id="{6CA55425-1DD7-4394-A4B0-27CDAE04EE44}" type="datetimeFigureOut">
               <a:rPr lang="en-US" smtClean="0"/>
-              <a:t>12/10/2016</a:t>
+              <a:t>12/13/2016</a:t>
             </a:fld>
             <a:endParaRPr lang="en-US"/>
           </a:p>
@@ -639,7 +640,34 @@
           <a:bodyPr/>
           <a:lstStyle/>
           <a:p>
-            <a:endParaRPr lang="de-CH" sz="2400" b="1" baseline="0" dirty="0"/>
+            <a:r>
+              <a:rPr lang="de-CH" sz="2400" b="1" baseline="0" dirty="0"/>
+              <a:t>- Falls vorhanden die Einführung der Story für den Showcase</a:t>
+            </a:r>
+          </a:p>
+          <a:p>
+            <a:pPr marL="0" indent="0">
+              <a:buFontTx/>
+              <a:buNone/>
+            </a:pPr>
+            <a:r>
+              <a:rPr lang="de-CH" sz="2400" b="1" baseline="0" dirty="0"/>
+              <a:t>- Kurze Übersicht geben über die Funktionen, welche wir zeigen wollen.</a:t>
+            </a:r>
+          </a:p>
+          <a:p>
+            <a:pPr marL="0" indent="0">
+              <a:buFontTx/>
+              <a:buNone/>
+            </a:pPr>
+            <a:r>
+              <a:rPr lang="de-CH" sz="2400" b="1" baseline="0"/>
+              <a:t>- Überleitung </a:t>
+            </a:r>
+            <a:r>
+              <a:rPr lang="de-CH" sz="2400" b="1" baseline="0" dirty="0"/>
+              <a:t>zu Live-Demo</a:t>
+            </a:r>
           </a:p>
         </p:txBody>
       </p:sp>
@@ -4340,7 +4368,18 @@
                   </a:schemeClr>
                 </a:solidFill>
               </a:rPr>
-              <a:t> </a:t>
+              <a:t> Julian Schuhmacher, </a:t>
+            </a:r>
+            <a:r>
+              <a:rPr lang="de-CH" sz="1800" dirty="0">
+                <a:solidFill>
+                  <a:schemeClr val="tx1">
+                    <a:lumMod val="75000"/>
+                    <a:lumOff val="25000"/>
+                  </a:schemeClr>
+                </a:solidFill>
+              </a:rPr>
+              <a:t>Jérôme </a:t>
             </a:r>
             <a:r>
               <a:rPr lang="de-CH" sz="1800" dirty="0" err="1">
@@ -4351,7 +4390,7 @@
                   </a:schemeClr>
                 </a:solidFill>
               </a:rPr>
-              <a:t>Jêrome</a:t>
+              <a:t>Imfeld</a:t>
             </a:r>
             <a:r>
               <a:rPr lang="de-CH" sz="1800" dirty="0">
@@ -4363,28 +4402,6 @@
                 </a:solidFill>
               </a:rPr>
               <a:t> </a:t>
-            </a:r>
-            <a:r>
-              <a:rPr lang="de-CH" sz="1800" dirty="0" err="1">
-                <a:solidFill>
-                  <a:schemeClr val="tx1">
-                    <a:lumMod val="75000"/>
-                    <a:lumOff val="25000"/>
-                  </a:schemeClr>
-                </a:solidFill>
-              </a:rPr>
-              <a:t>Imfeld</a:t>
-            </a:r>
-            <a:r>
-              <a:rPr lang="de-CH" sz="1800" dirty="0">
-                <a:solidFill>
-                  <a:schemeClr val="tx1">
-                    <a:lumMod val="75000"/>
-                    <a:lumOff val="25000"/>
-                  </a:schemeClr>
-                </a:solidFill>
-              </a:rPr>
-              <a:t>, Julian Schuhmacher </a:t>
             </a:r>
             <a:r>
               <a:rPr lang="de-CH" sz="1800" dirty="0" err="1">
@@ -4747,6 +4764,16 @@
           <a:lstStyle/>
           <a:p>
             <a:r>
+              <a:rPr lang="de-CH" dirty="0" err="1"/>
+              <a:t>The</a:t>
+            </a:r>
+            <a:r>
+              <a:rPr lang="de-CH" dirty="0"/>
+              <a:t> Team</a:t>
+            </a:r>
+          </a:p>
+          <a:p>
+            <a:r>
               <a:rPr lang="de-CH" dirty="0"/>
               <a:t>Live-Demo</a:t>
             </a:r>
@@ -4971,6 +4998,71 @@
       </p:grpSpPr>
       <p:sp>
         <p:nvSpPr>
+          <p:cNvPr id="2" name="Titel 1"/>
+          <p:cNvSpPr>
+            <a:spLocks noGrp="1"/>
+          </p:cNvSpPr>
+          <p:nvPr>
+            <p:ph type="title"/>
+          </p:nvPr>
+        </p:nvSpPr>
+        <p:spPr/>
+        <p:txBody>
+          <a:bodyPr/>
+          <a:lstStyle/>
+          <a:p>
+            <a:r>
+              <a:rPr lang="de-CH" dirty="0" err="1"/>
+              <a:t>The</a:t>
+            </a:r>
+            <a:r>
+              <a:rPr lang="de-CH" dirty="0"/>
+              <a:t> Team</a:t>
+            </a:r>
+          </a:p>
+        </p:txBody>
+      </p:sp>
+      <p:sp>
+        <p:nvSpPr>
+          <p:cNvPr id="3" name="Inhaltsplatzhalter 2"/>
+          <p:cNvSpPr>
+            <a:spLocks noGrp="1"/>
+          </p:cNvSpPr>
+          <p:nvPr>
+            <p:ph idx="1"/>
+          </p:nvPr>
+        </p:nvSpPr>
+        <p:spPr/>
+        <p:txBody>
+          <a:bodyPr/>
+          <a:lstStyle/>
+          <a:p>
+            <a:r>
+              <a:rPr lang="de-CH" dirty="0"/>
+              <a:t>Julian Schuhmacher</a:t>
+            </a:r>
+          </a:p>
+          <a:p>
+            <a:r>
+              <a:rPr lang="de-CH" dirty="0"/>
+              <a:t>Jérôme </a:t>
+            </a:r>
+            <a:r>
+              <a:rPr lang="de-CH" dirty="0" err="1"/>
+              <a:t>Imfeld</a:t>
+            </a:r>
+            <a:endParaRPr lang="de-CH" dirty="0"/>
+          </a:p>
+          <a:p>
+            <a:r>
+              <a:rPr lang="de-CH" dirty="0"/>
+              <a:t>Joel Fimian</a:t>
+            </a:r>
+          </a:p>
+        </p:txBody>
+      </p:sp>
+      <p:sp>
+        <p:nvSpPr>
           <p:cNvPr id="4" name="Datumsplatzhalter 3"/>
           <p:cNvSpPr>
             <a:spLocks noGrp="1"/>
@@ -5044,6 +5136,116 @@
                 <a:defRPr/>
               </a:pPr>
               <a:t>3</a:t>
+            </a:fld>
+            <a:endParaRPr lang="en-US"/>
+          </a:p>
+        </p:txBody>
+      </p:sp>
+    </p:spTree>
+    <p:extLst>
+      <p:ext uri="{BB962C8B-B14F-4D97-AF65-F5344CB8AC3E}">
+        <p14:creationId xmlns:p14="http://schemas.microsoft.com/office/powerpoint/2010/main" val="2589020064"/>
+      </p:ext>
+    </p:extLst>
+  </p:cSld>
+  <p:clrMapOvr>
+    <a:masterClrMapping/>
+  </p:clrMapOvr>
+</p:sld>
+</file>
+
+<file path=ppt/slides/slide4.xml><?xml version="1.0" encoding="utf-8"?>
+<p:sld xmlns:a="http://schemas.openxmlformats.org/drawingml/2006/main" xmlns:r="http://schemas.openxmlformats.org/officeDocument/2006/relationships" xmlns:p="http://schemas.openxmlformats.org/presentationml/2006/main">
+  <p:cSld>
+    <p:spTree>
+      <p:nvGrpSpPr>
+        <p:cNvPr id="1" name=""/>
+        <p:cNvGrpSpPr/>
+        <p:nvPr/>
+      </p:nvGrpSpPr>
+      <p:grpSpPr>
+        <a:xfrm>
+          <a:off x="0" y="0"/>
+          <a:ext cx="0" cy="0"/>
+          <a:chOff x="0" y="0"/>
+          <a:chExt cx="0" cy="0"/>
+        </a:xfrm>
+      </p:grpSpPr>
+      <p:sp>
+        <p:nvSpPr>
+          <p:cNvPr id="4" name="Datumsplatzhalter 3"/>
+          <p:cNvSpPr>
+            <a:spLocks noGrp="1"/>
+          </p:cNvSpPr>
+          <p:nvPr>
+            <p:ph type="dt" sz="half" idx="10"/>
+          </p:nvPr>
+        </p:nvSpPr>
+        <p:spPr/>
+        <p:txBody>
+          <a:bodyPr/>
+          <a:lstStyle/>
+          <a:p>
+            <a:pPr>
+              <a:defRPr/>
+            </a:pPr>
+            <a:r>
+              <a:rPr lang="de-DE"/>
+              <a:t>14.12.2016</a:t>
+            </a:r>
+          </a:p>
+        </p:txBody>
+      </p:sp>
+      <p:sp>
+        <p:nvSpPr>
+          <p:cNvPr id="5" name="Fußzeilenplatzhalter 4"/>
+          <p:cNvSpPr>
+            <a:spLocks noGrp="1"/>
+          </p:cNvSpPr>
+          <p:nvPr>
+            <p:ph type="ftr" sz="quarter" idx="11"/>
+          </p:nvPr>
+        </p:nvSpPr>
+        <p:spPr/>
+        <p:txBody>
+          <a:bodyPr/>
+          <a:lstStyle/>
+          <a:p>
+            <a:pPr>
+              <a:defRPr/>
+            </a:pPr>
+            <a:r>
+              <a:rPr lang="de-CH"/>
+              <a:t>Introduction to Software Engineering</a:t>
+            </a:r>
+            <a:endParaRPr lang="de-DE" dirty="0"/>
+          </a:p>
+        </p:txBody>
+      </p:sp>
+      <p:sp>
+        <p:nvSpPr>
+          <p:cNvPr id="6" name="Foliennummernplatzhalter 5"/>
+          <p:cNvSpPr>
+            <a:spLocks noGrp="1"/>
+          </p:cNvSpPr>
+          <p:nvPr>
+            <p:ph type="sldNum" sz="quarter" idx="12"/>
+          </p:nvPr>
+        </p:nvSpPr>
+        <p:spPr/>
+        <p:txBody>
+          <a:bodyPr/>
+          <a:lstStyle/>
+          <a:p>
+            <a:pPr>
+              <a:defRPr/>
+            </a:pPr>
+            <a:fld id="{F581F49F-2D81-4D2F-AF3D-EDA209A7EA03}" type="slidenum">
+              <a:rPr lang="en-US" smtClean="0"/>
+              <a:pPr>
+                <a:defRPr/>
+              </a:pPr>
+              <a:t>4</a:t>
             </a:fld>
             <a:endParaRPr lang="en-US"/>
           </a:p>

--- a/showcase/Presentation_Showcase.pptx
+++ b/showcase/Presentation_Showcase.pptx
@@ -4368,7 +4368,18 @@
                   </a:schemeClr>
                 </a:solidFill>
               </a:rPr>
-              <a:t> Jérôme </a:t>
+              <a:t> Julian Schuhmacher, </a:t>
+            </a:r>
+            <a:r>
+              <a:rPr lang="de-CH" sz="1800" dirty="0">
+                <a:solidFill>
+                  <a:schemeClr val="tx1">
+                    <a:lumMod val="75000"/>
+                    <a:lumOff val="25000"/>
+                  </a:schemeClr>
+                </a:solidFill>
+              </a:rPr>
+              <a:t>Jérôme </a:t>
             </a:r>
             <a:r>
               <a:rPr lang="de-CH" sz="1800" dirty="0" err="1">
@@ -4390,7 +4401,7 @@
                   </a:schemeClr>
                 </a:solidFill>
               </a:rPr>
-              <a:t>, Julian Schuhmacher </a:t>
+              <a:t> </a:t>
             </a:r>
             <a:r>
               <a:rPr lang="de-CH" sz="1800" dirty="0" err="1">
